--- a/EXAMEN FINAL PROYECTO.pptx
+++ b/EXAMEN FINAL PROYECTO.pptx
@@ -8,11 +8,7 @@
     <p:sldId id="256" r:id="rId2"/>
     <p:sldId id="257" r:id="rId3"/>
     <p:sldId id="264" r:id="rId4"/>
-    <p:sldId id="258" r:id="rId5"/>
-    <p:sldId id="261" r:id="rId6"/>
-    <p:sldId id="263" r:id="rId7"/>
-    <p:sldId id="262" r:id="rId8"/>
-    <p:sldId id="259" r:id="rId9"/>
+    <p:sldId id="259" r:id="rId5"/>
   </p:sldIdLst>
   <p:sldSz cx="12192000" cy="6858000"/>
   <p:notesSz cx="6858000" cy="9144000"/>
@@ -4143,548 +4139,6 @@
           <p:cNvPr id="2" name="Título 1">
             <a:extLst>
               <a:ext uri="{FF2B5EF4-FFF2-40B4-BE49-F238E27FC236}">
-                <a16:creationId xmlns:a16="http://schemas.microsoft.com/office/drawing/2014/main" id="{271D970A-C473-4F57-91F5-204D0BC1FA91}"/>
-              </a:ext>
-            </a:extLst>
-          </p:cNvPr>
-          <p:cNvSpPr>
-            <a:spLocks noGrp="1"/>
-          </p:cNvSpPr>
-          <p:nvPr>
-            <p:ph type="title"/>
-          </p:nvPr>
-        </p:nvSpPr>
-        <p:spPr/>
-        <p:txBody>
-          <a:bodyPr/>
-          <a:lstStyle/>
-          <a:p>
-            <a:r>
-              <a:rPr lang="es-419" b="1" dirty="0"/>
-              <a:t>DISEÑO DE INTERFAZ</a:t>
-            </a:r>
-            <a:endParaRPr lang="es-PE" b="1" dirty="0"/>
-          </a:p>
-        </p:txBody>
-      </p:sp>
-      <p:pic>
-        <p:nvPicPr>
-          <p:cNvPr id="5" name="Marcador de contenido 4">
-            <a:extLst>
-              <a:ext uri="{FF2B5EF4-FFF2-40B4-BE49-F238E27FC236}">
-                <a16:creationId xmlns:a16="http://schemas.microsoft.com/office/drawing/2014/main" id="{F94EB131-87B6-45AF-9F78-9E8A7AAC5200}"/>
-              </a:ext>
-            </a:extLst>
-          </p:cNvPr>
-          <p:cNvPicPr>
-            <a:picLocks noGrp="1" noChangeAspect="1"/>
-          </p:cNvPicPr>
-          <p:nvPr>
-            <p:ph idx="1"/>
-          </p:nvPr>
-        </p:nvPicPr>
-        <p:blipFill rotWithShape="1">
-          <a:blip r:embed="rId2">
-            <a:extLst>
-              <a:ext uri="{28A0092B-C50C-407E-A947-70E740481C1C}">
-                <a14:useLocalDpi xmlns:a14="http://schemas.microsoft.com/office/drawing/2010/main" val="0"/>
-              </a:ext>
-            </a:extLst>
-          </a:blip>
-          <a:srcRect l="1435" r="1435"/>
-          <a:stretch/>
-        </p:blipFill>
-        <p:spPr>
-          <a:xfrm>
-            <a:off x="1845606" y="2713616"/>
-            <a:ext cx="5025700" cy="2407023"/>
-          </a:xfrm>
-        </p:spPr>
-      </p:pic>
-      <p:pic>
-        <p:nvPicPr>
-          <p:cNvPr id="7" name="Imagen 6">
-            <a:extLst>
-              <a:ext uri="{FF2B5EF4-FFF2-40B4-BE49-F238E27FC236}">
-                <a16:creationId xmlns:a16="http://schemas.microsoft.com/office/drawing/2014/main" id="{2AD0A7B9-5D1B-43F8-B503-1884E7561392}"/>
-              </a:ext>
-            </a:extLst>
-          </p:cNvPr>
-          <p:cNvPicPr>
-            <a:picLocks noChangeAspect="1"/>
-          </p:cNvPicPr>
-          <p:nvPr/>
-        </p:nvPicPr>
-        <p:blipFill rotWithShape="1">
-          <a:blip r:embed="rId3">
-            <a:extLst>
-              <a:ext uri="{28A0092B-C50C-407E-A947-70E740481C1C}">
-                <a14:useLocalDpi xmlns:a14="http://schemas.microsoft.com/office/drawing/2010/main" val="0"/>
-              </a:ext>
-            </a:extLst>
-          </a:blip>
-          <a:srcRect t="6327" b="6327"/>
-          <a:stretch/>
-        </p:blipFill>
-        <p:spPr>
-          <a:xfrm>
-            <a:off x="8377518" y="2426520"/>
-            <a:ext cx="1968876" cy="2981213"/>
-          </a:xfrm>
-          <a:prstGeom prst="rect">
-            <a:avLst/>
-          </a:prstGeom>
-        </p:spPr>
-      </p:pic>
-    </p:spTree>
-    <p:extLst>
-      <p:ext uri="{BB962C8B-B14F-4D97-AF65-F5344CB8AC3E}">
-        <p14:creationId xmlns:p14="http://schemas.microsoft.com/office/powerpoint/2010/main" val="2854854959"/>
-      </p:ext>
-    </p:extLst>
-  </p:cSld>
-  <p:clrMapOvr>
-    <a:masterClrMapping/>
-  </p:clrMapOvr>
-</p:sld>
-</file>
-
-<file path=ppt/slides/slide5.xml><?xml version="1.0" encoding="utf-8"?>
-<p:sld xmlns:a="http://schemas.openxmlformats.org/drawingml/2006/main" xmlns:r="http://schemas.openxmlformats.org/officeDocument/2006/relationships" xmlns:p="http://schemas.openxmlformats.org/presentationml/2006/main">
-  <p:cSld>
-    <p:spTree>
-      <p:nvGrpSpPr>
-        <p:cNvPr id="1" name=""/>
-        <p:cNvGrpSpPr/>
-        <p:nvPr/>
-      </p:nvGrpSpPr>
-      <p:grpSpPr>
-        <a:xfrm>
-          <a:off x="0" y="0"/>
-          <a:ext cx="0" cy="0"/>
-          <a:chOff x="0" y="0"/>
-          <a:chExt cx="0" cy="0"/>
-        </a:xfrm>
-      </p:grpSpPr>
-      <p:sp>
-        <p:nvSpPr>
-          <p:cNvPr id="2" name="Título 1">
-            <a:extLst>
-              <a:ext uri="{FF2B5EF4-FFF2-40B4-BE49-F238E27FC236}">
-                <a16:creationId xmlns:a16="http://schemas.microsoft.com/office/drawing/2014/main" id="{271D970A-C473-4F57-91F5-204D0BC1FA91}"/>
-              </a:ext>
-            </a:extLst>
-          </p:cNvPr>
-          <p:cNvSpPr>
-            <a:spLocks noGrp="1"/>
-          </p:cNvSpPr>
-          <p:nvPr>
-            <p:ph type="title"/>
-          </p:nvPr>
-        </p:nvSpPr>
-        <p:spPr/>
-        <p:txBody>
-          <a:bodyPr/>
-          <a:lstStyle/>
-          <a:p>
-            <a:r>
-              <a:rPr lang="es-419" b="1" dirty="0"/>
-              <a:t>DISEÑO DE INTERFAZ</a:t>
-            </a:r>
-            <a:endParaRPr lang="es-PE" b="1" dirty="0"/>
-          </a:p>
-        </p:txBody>
-      </p:sp>
-      <p:pic>
-        <p:nvPicPr>
-          <p:cNvPr id="5" name="Marcador de contenido 4">
-            <a:extLst>
-              <a:ext uri="{FF2B5EF4-FFF2-40B4-BE49-F238E27FC236}">
-                <a16:creationId xmlns:a16="http://schemas.microsoft.com/office/drawing/2014/main" id="{F94EB131-87B6-45AF-9F78-9E8A7AAC5200}"/>
-              </a:ext>
-            </a:extLst>
-          </p:cNvPr>
-          <p:cNvPicPr>
-            <a:picLocks noGrp="1" noChangeAspect="1"/>
-          </p:cNvPicPr>
-          <p:nvPr>
-            <p:ph idx="1"/>
-          </p:nvPr>
-        </p:nvPicPr>
-        <p:blipFill rotWithShape="1">
-          <a:blip r:embed="rId2">
-            <a:extLst>
-              <a:ext uri="{28A0092B-C50C-407E-A947-70E740481C1C}">
-                <a14:useLocalDpi xmlns:a14="http://schemas.microsoft.com/office/drawing/2010/main" val="0"/>
-              </a:ext>
-            </a:extLst>
-          </a:blip>
-          <a:srcRect l="1019" r="1019"/>
-          <a:stretch/>
-        </p:blipFill>
-        <p:spPr>
-          <a:xfrm>
-            <a:off x="1845606" y="2837329"/>
-            <a:ext cx="5025700" cy="2433918"/>
-          </a:xfrm>
-        </p:spPr>
-      </p:pic>
-      <p:pic>
-        <p:nvPicPr>
-          <p:cNvPr id="2050" name="Picture 2">
-            <a:extLst>
-              <a:ext uri="{FF2B5EF4-FFF2-40B4-BE49-F238E27FC236}">
-                <a16:creationId xmlns:a16="http://schemas.microsoft.com/office/drawing/2014/main" id="{BA181FE7-C8F3-42B4-940B-962BE7C6B4E7}"/>
-              </a:ext>
-            </a:extLst>
-          </p:cNvPr>
-          <p:cNvPicPr>
-            <a:picLocks noChangeAspect="1" noChangeArrowheads="1"/>
-          </p:cNvPicPr>
-          <p:nvPr/>
-        </p:nvPicPr>
-        <p:blipFill>
-          <a:blip r:embed="rId3">
-            <a:extLst>
-              <a:ext uri="{28A0092B-C50C-407E-A947-70E740481C1C}">
-                <a14:useLocalDpi xmlns:a14="http://schemas.microsoft.com/office/drawing/2010/main" val="0"/>
-              </a:ext>
-            </a:extLst>
-          </a:blip>
-          <a:srcRect/>
-          <a:stretch/>
-        </p:blipFill>
-        <p:spPr bwMode="auto">
-          <a:xfrm>
-            <a:off x="8640142" y="2124634"/>
-            <a:ext cx="1544722" cy="3720621"/>
-          </a:xfrm>
-          <a:prstGeom prst="rect">
-            <a:avLst/>
-          </a:prstGeom>
-          <a:noFill/>
-          <a:extLst>
-            <a:ext uri="{909E8E84-426E-40DD-AFC4-6F175D3DCCD1}">
-              <a14:hiddenFill xmlns:a14="http://schemas.microsoft.com/office/drawing/2010/main">
-                <a:solidFill>
-                  <a:srgbClr val="FFFFFF"/>
-                </a:solidFill>
-              </a14:hiddenFill>
-            </a:ext>
-          </a:extLst>
-        </p:spPr>
-      </p:pic>
-    </p:spTree>
-    <p:extLst>
-      <p:ext uri="{BB962C8B-B14F-4D97-AF65-F5344CB8AC3E}">
-        <p14:creationId xmlns:p14="http://schemas.microsoft.com/office/powerpoint/2010/main" val="2738238207"/>
-      </p:ext>
-    </p:extLst>
-  </p:cSld>
-  <p:clrMapOvr>
-    <a:masterClrMapping/>
-  </p:clrMapOvr>
-</p:sld>
-</file>
-
-<file path=ppt/slides/slide6.xml><?xml version="1.0" encoding="utf-8"?>
-<p:sld xmlns:a="http://schemas.openxmlformats.org/drawingml/2006/main" xmlns:r="http://schemas.openxmlformats.org/officeDocument/2006/relationships" xmlns:p="http://schemas.openxmlformats.org/presentationml/2006/main">
-  <p:cSld>
-    <p:spTree>
-      <p:nvGrpSpPr>
-        <p:cNvPr id="1" name=""/>
-        <p:cNvGrpSpPr/>
-        <p:nvPr/>
-      </p:nvGrpSpPr>
-      <p:grpSpPr>
-        <a:xfrm>
-          <a:off x="0" y="0"/>
-          <a:ext cx="0" cy="0"/>
-          <a:chOff x="0" y="0"/>
-          <a:chExt cx="0" cy="0"/>
-        </a:xfrm>
-      </p:grpSpPr>
-      <p:sp>
-        <p:nvSpPr>
-          <p:cNvPr id="2" name="Título 1">
-            <a:extLst>
-              <a:ext uri="{FF2B5EF4-FFF2-40B4-BE49-F238E27FC236}">
-                <a16:creationId xmlns:a16="http://schemas.microsoft.com/office/drawing/2014/main" id="{271D970A-C473-4F57-91F5-204D0BC1FA91}"/>
-              </a:ext>
-            </a:extLst>
-          </p:cNvPr>
-          <p:cNvSpPr>
-            <a:spLocks noGrp="1"/>
-          </p:cNvSpPr>
-          <p:nvPr>
-            <p:ph type="title"/>
-          </p:nvPr>
-        </p:nvSpPr>
-        <p:spPr/>
-        <p:txBody>
-          <a:bodyPr/>
-          <a:lstStyle/>
-          <a:p>
-            <a:r>
-              <a:rPr lang="es-419" b="1" dirty="0"/>
-              <a:t>DISEÑO DE INTERFAZ</a:t>
-            </a:r>
-            <a:endParaRPr lang="es-PE" b="1" dirty="0"/>
-          </a:p>
-        </p:txBody>
-      </p:sp>
-      <p:pic>
-        <p:nvPicPr>
-          <p:cNvPr id="5" name="Marcador de contenido 4">
-            <a:extLst>
-              <a:ext uri="{FF2B5EF4-FFF2-40B4-BE49-F238E27FC236}">
-                <a16:creationId xmlns:a16="http://schemas.microsoft.com/office/drawing/2014/main" id="{F94EB131-87B6-45AF-9F78-9E8A7AAC5200}"/>
-              </a:ext>
-            </a:extLst>
-          </p:cNvPr>
-          <p:cNvPicPr>
-            <a:picLocks noGrp="1" noChangeAspect="1"/>
-          </p:cNvPicPr>
-          <p:nvPr>
-            <p:ph idx="1"/>
-          </p:nvPr>
-        </p:nvPicPr>
-        <p:blipFill rotWithShape="1">
-          <a:blip r:embed="rId2">
-            <a:extLst>
-              <a:ext uri="{28A0092B-C50C-407E-A947-70E740481C1C}">
-                <a14:useLocalDpi xmlns:a14="http://schemas.microsoft.com/office/drawing/2010/main" val="0"/>
-              </a:ext>
-            </a:extLst>
-          </a:blip>
-          <a:srcRect l="1744" r="1744"/>
-          <a:stretch/>
-        </p:blipFill>
-        <p:spPr>
-          <a:xfrm>
-            <a:off x="1845606" y="2931458"/>
-            <a:ext cx="5025700" cy="2433917"/>
-          </a:xfrm>
-        </p:spPr>
-      </p:pic>
-      <p:pic>
-        <p:nvPicPr>
-          <p:cNvPr id="6" name="Picture 2">
-            <a:extLst>
-              <a:ext uri="{FF2B5EF4-FFF2-40B4-BE49-F238E27FC236}">
-                <a16:creationId xmlns:a16="http://schemas.microsoft.com/office/drawing/2014/main" id="{F04C134E-3F01-40E7-A750-DDA9FC0F9A7E}"/>
-              </a:ext>
-            </a:extLst>
-          </p:cNvPr>
-          <p:cNvPicPr>
-            <a:picLocks noChangeAspect="1" noChangeArrowheads="1"/>
-          </p:cNvPicPr>
-          <p:nvPr/>
-        </p:nvPicPr>
-        <p:blipFill>
-          <a:blip r:embed="rId3">
-            <a:extLst>
-              <a:ext uri="{28A0092B-C50C-407E-A947-70E740481C1C}">
-                <a14:useLocalDpi xmlns:a14="http://schemas.microsoft.com/office/drawing/2010/main" val="0"/>
-              </a:ext>
-            </a:extLst>
-          </a:blip>
-          <a:srcRect/>
-          <a:stretch/>
-        </p:blipFill>
-        <p:spPr bwMode="auto">
-          <a:xfrm>
-            <a:off x="8509202" y="2134399"/>
-            <a:ext cx="1806601" cy="3701090"/>
-          </a:xfrm>
-          <a:prstGeom prst="rect">
-            <a:avLst/>
-          </a:prstGeom>
-          <a:noFill/>
-          <a:extLst>
-            <a:ext uri="{909E8E84-426E-40DD-AFC4-6F175D3DCCD1}">
-              <a14:hiddenFill xmlns:a14="http://schemas.microsoft.com/office/drawing/2010/main">
-                <a:solidFill>
-                  <a:srgbClr val="FFFFFF"/>
-                </a:solidFill>
-              </a14:hiddenFill>
-            </a:ext>
-          </a:extLst>
-        </p:spPr>
-      </p:pic>
-    </p:spTree>
-    <p:extLst>
-      <p:ext uri="{BB962C8B-B14F-4D97-AF65-F5344CB8AC3E}">
-        <p14:creationId xmlns:p14="http://schemas.microsoft.com/office/powerpoint/2010/main" val="2700421552"/>
-      </p:ext>
-    </p:extLst>
-  </p:cSld>
-  <p:clrMapOvr>
-    <a:masterClrMapping/>
-  </p:clrMapOvr>
-</p:sld>
-</file>
-
-<file path=ppt/slides/slide7.xml><?xml version="1.0" encoding="utf-8"?>
-<p:sld xmlns:a="http://schemas.openxmlformats.org/drawingml/2006/main" xmlns:r="http://schemas.openxmlformats.org/officeDocument/2006/relationships" xmlns:p="http://schemas.openxmlformats.org/presentationml/2006/main">
-  <p:cSld>
-    <p:spTree>
-      <p:nvGrpSpPr>
-        <p:cNvPr id="1" name=""/>
-        <p:cNvGrpSpPr/>
-        <p:nvPr/>
-      </p:nvGrpSpPr>
-      <p:grpSpPr>
-        <a:xfrm>
-          <a:off x="0" y="0"/>
-          <a:ext cx="0" cy="0"/>
-          <a:chOff x="0" y="0"/>
-          <a:chExt cx="0" cy="0"/>
-        </a:xfrm>
-      </p:grpSpPr>
-      <p:sp>
-        <p:nvSpPr>
-          <p:cNvPr id="2" name="Título 1">
-            <a:extLst>
-              <a:ext uri="{FF2B5EF4-FFF2-40B4-BE49-F238E27FC236}">
-                <a16:creationId xmlns:a16="http://schemas.microsoft.com/office/drawing/2014/main" id="{271D970A-C473-4F57-91F5-204D0BC1FA91}"/>
-              </a:ext>
-            </a:extLst>
-          </p:cNvPr>
-          <p:cNvSpPr>
-            <a:spLocks noGrp="1"/>
-          </p:cNvSpPr>
-          <p:nvPr>
-            <p:ph type="title"/>
-          </p:nvPr>
-        </p:nvSpPr>
-        <p:spPr/>
-        <p:txBody>
-          <a:bodyPr/>
-          <a:lstStyle/>
-          <a:p>
-            <a:r>
-              <a:rPr lang="es-419" b="1" dirty="0"/>
-              <a:t>DISEÑO DE INTERFAZ</a:t>
-            </a:r>
-            <a:endParaRPr lang="es-PE" b="1" dirty="0"/>
-          </a:p>
-        </p:txBody>
-      </p:sp>
-      <p:pic>
-        <p:nvPicPr>
-          <p:cNvPr id="5" name="Marcador de contenido 4">
-            <a:extLst>
-              <a:ext uri="{FF2B5EF4-FFF2-40B4-BE49-F238E27FC236}">
-                <a16:creationId xmlns:a16="http://schemas.microsoft.com/office/drawing/2014/main" id="{F94EB131-87B6-45AF-9F78-9E8A7AAC5200}"/>
-              </a:ext>
-            </a:extLst>
-          </p:cNvPr>
-          <p:cNvPicPr>
-            <a:picLocks noGrp="1" noChangeAspect="1"/>
-          </p:cNvPicPr>
-          <p:nvPr>
-            <p:ph idx="1"/>
-          </p:nvPr>
-        </p:nvPicPr>
-        <p:blipFill rotWithShape="1">
-          <a:blip r:embed="rId2">
-            <a:extLst>
-              <a:ext uri="{28A0092B-C50C-407E-A947-70E740481C1C}">
-                <a14:useLocalDpi xmlns:a14="http://schemas.microsoft.com/office/drawing/2010/main" val="0"/>
-              </a:ext>
-            </a:extLst>
-          </a:blip>
-          <a:srcRect l="1366" r="1366"/>
-          <a:stretch/>
-        </p:blipFill>
-        <p:spPr>
-          <a:xfrm>
-            <a:off x="1845606" y="2958353"/>
-            <a:ext cx="5025700" cy="2433918"/>
-          </a:xfrm>
-        </p:spPr>
-      </p:pic>
-      <p:pic>
-        <p:nvPicPr>
-          <p:cNvPr id="2050" name="Picture 2">
-            <a:extLst>
-              <a:ext uri="{FF2B5EF4-FFF2-40B4-BE49-F238E27FC236}">
-                <a16:creationId xmlns:a16="http://schemas.microsoft.com/office/drawing/2014/main" id="{BA181FE7-C8F3-42B4-940B-962BE7C6B4E7}"/>
-              </a:ext>
-            </a:extLst>
-          </p:cNvPr>
-          <p:cNvPicPr>
-            <a:picLocks noChangeAspect="1" noChangeArrowheads="1"/>
-          </p:cNvPicPr>
-          <p:nvPr/>
-        </p:nvPicPr>
-        <p:blipFill>
-          <a:blip r:embed="rId3">
-            <a:extLst>
-              <a:ext uri="{28A0092B-C50C-407E-A947-70E740481C1C}">
-                <a14:useLocalDpi xmlns:a14="http://schemas.microsoft.com/office/drawing/2010/main" val="0"/>
-              </a:ext>
-            </a:extLst>
-          </a:blip>
-          <a:srcRect/>
-          <a:stretch/>
-        </p:blipFill>
-        <p:spPr bwMode="auto">
-          <a:xfrm>
-            <a:off x="8509202" y="2124634"/>
-            <a:ext cx="1806601" cy="3720621"/>
-          </a:xfrm>
-          <a:prstGeom prst="rect">
-            <a:avLst/>
-          </a:prstGeom>
-          <a:noFill/>
-          <a:extLst>
-            <a:ext uri="{909E8E84-426E-40DD-AFC4-6F175D3DCCD1}">
-              <a14:hiddenFill xmlns:a14="http://schemas.microsoft.com/office/drawing/2010/main">
-                <a:solidFill>
-                  <a:srgbClr val="FFFFFF"/>
-                </a:solidFill>
-              </a14:hiddenFill>
-            </a:ext>
-          </a:extLst>
-        </p:spPr>
-      </p:pic>
-    </p:spTree>
-    <p:extLst>
-      <p:ext uri="{BB962C8B-B14F-4D97-AF65-F5344CB8AC3E}">
-        <p14:creationId xmlns:p14="http://schemas.microsoft.com/office/powerpoint/2010/main" val="2557027325"/>
-      </p:ext>
-    </p:extLst>
-  </p:cSld>
-  <p:clrMapOvr>
-    <a:masterClrMapping/>
-  </p:clrMapOvr>
-</p:sld>
-</file>
-
-<file path=ppt/slides/slide8.xml><?xml version="1.0" encoding="utf-8"?>
-<p:sld xmlns:a="http://schemas.openxmlformats.org/drawingml/2006/main" xmlns:r="http://schemas.openxmlformats.org/officeDocument/2006/relationships" xmlns:p="http://schemas.openxmlformats.org/presentationml/2006/main">
-  <p:cSld>
-    <p:spTree>
-      <p:nvGrpSpPr>
-        <p:cNvPr id="1" name=""/>
-        <p:cNvGrpSpPr/>
-        <p:nvPr/>
-      </p:nvGrpSpPr>
-      <p:grpSpPr>
-        <a:xfrm>
-          <a:off x="0" y="0"/>
-          <a:ext cx="0" cy="0"/>
-          <a:chOff x="0" y="0"/>
-          <a:chExt cx="0" cy="0"/>
-        </a:xfrm>
-      </p:grpSpPr>
-      <p:sp>
-        <p:nvSpPr>
-          <p:cNvPr id="2" name="Título 1">
-            <a:extLst>
-              <a:ext uri="{FF2B5EF4-FFF2-40B4-BE49-F238E27FC236}">
                 <a16:creationId xmlns:a16="http://schemas.microsoft.com/office/drawing/2014/main" id="{0CF79B85-3257-4E43-B218-54F313150344}"/>
               </a:ext>
             </a:extLst>
